--- a/doc/tex/sdf/transparent/figures_raw/RedeTeste.pptx
+++ b/doc/tex/sdf/transparent/figures_raw/RedeTeste.pptx
@@ -2,12 +2,12 @@
 <file path=ppt/presentation.xml><?xml version="1.0" encoding="utf-8"?>
 <p:presentation xmlns:a="http://schemas.openxmlformats.org/drawingml/2006/main" xmlns:r="http://schemas.openxmlformats.org/officeDocument/2006/relationships" xmlns:p="http://schemas.openxmlformats.org/presentationml/2006/main" saveSubsetFonts="1">
   <p:sldMasterIdLst>
-    <p:sldMasterId id="2147483696" r:id="rId1"/>
+    <p:sldMasterId id="2147483732" r:id="rId1"/>
   </p:sldMasterIdLst>
   <p:sldIdLst>
     <p:sldId id="256" r:id="rId2"/>
   </p:sldIdLst>
-  <p:sldSz cx="9001125" cy="5400675"/>
+  <p:sldSz cx="7169150" cy="2879725"/>
   <p:notesSz cx="6858000" cy="9144000"/>
   <p:defaultTextStyle>
     <a:defPPr>
@@ -145,15 +145,15 @@
         </p:nvSpPr>
         <p:spPr>
           <a:xfrm>
-            <a:off x="1125141" y="883861"/>
-            <a:ext cx="6750844" cy="1880235"/>
+            <a:off x="896144" y="471289"/>
+            <a:ext cx="5376863" cy="1002571"/>
           </a:xfrm>
         </p:spPr>
         <p:txBody>
           <a:bodyPr anchor="b"/>
           <a:lstStyle>
             <a:lvl1pPr algn="ctr">
-              <a:defRPr sz="4430"/>
+              <a:defRPr sz="2519"/>
             </a:lvl1pPr>
           </a:lstStyle>
           <a:p>
@@ -177,8 +177,8 @@
         </p:nvSpPr>
         <p:spPr>
           <a:xfrm>
-            <a:off x="1125141" y="2836605"/>
-            <a:ext cx="6750844" cy="1303913"/>
+            <a:off x="896144" y="1512522"/>
+            <a:ext cx="5376863" cy="695267"/>
           </a:xfrm>
         </p:spPr>
         <p:txBody>
@@ -186,45 +186,45 @@
           <a:lstStyle>
             <a:lvl1pPr marL="0" indent="0" algn="ctr">
               <a:buNone/>
-              <a:defRPr sz="1772"/>
+              <a:defRPr sz="1008"/>
             </a:lvl1pPr>
-            <a:lvl2pPr marL="337551" indent="0" algn="ctr">
-              <a:buNone/>
-              <a:defRPr sz="1477"/>
+            <a:lvl2pPr marL="191978" indent="0" algn="ctr">
+              <a:buNone/>
+              <a:defRPr sz="840"/>
             </a:lvl2pPr>
-            <a:lvl3pPr marL="675102" indent="0" algn="ctr">
-              <a:buNone/>
-              <a:defRPr sz="1329"/>
+            <a:lvl3pPr marL="383957" indent="0" algn="ctr">
+              <a:buNone/>
+              <a:defRPr sz="756"/>
             </a:lvl3pPr>
-            <a:lvl4pPr marL="1012652" indent="0" algn="ctr">
-              <a:buNone/>
-              <a:defRPr sz="1181"/>
+            <a:lvl4pPr marL="575935" indent="0" algn="ctr">
+              <a:buNone/>
+              <a:defRPr sz="672"/>
             </a:lvl4pPr>
-            <a:lvl5pPr marL="1350203" indent="0" algn="ctr">
-              <a:buNone/>
-              <a:defRPr sz="1181"/>
+            <a:lvl5pPr marL="767913" indent="0" algn="ctr">
+              <a:buNone/>
+              <a:defRPr sz="672"/>
             </a:lvl5pPr>
-            <a:lvl6pPr marL="1687754" indent="0" algn="ctr">
-              <a:buNone/>
-              <a:defRPr sz="1181"/>
+            <a:lvl6pPr marL="959891" indent="0" algn="ctr">
+              <a:buNone/>
+              <a:defRPr sz="672"/>
             </a:lvl6pPr>
-            <a:lvl7pPr marL="2025305" indent="0" algn="ctr">
-              <a:buNone/>
-              <a:defRPr sz="1181"/>
+            <a:lvl7pPr marL="1151870" indent="0" algn="ctr">
+              <a:buNone/>
+              <a:defRPr sz="672"/>
             </a:lvl7pPr>
-            <a:lvl8pPr marL="2362855" indent="0" algn="ctr">
-              <a:buNone/>
-              <a:defRPr sz="1181"/>
+            <a:lvl8pPr marL="1343848" indent="0" algn="ctr">
+              <a:buNone/>
+              <a:defRPr sz="672"/>
             </a:lvl8pPr>
-            <a:lvl9pPr marL="2700406" indent="0" algn="ctr">
-              <a:buNone/>
-              <a:defRPr sz="1181"/>
+            <a:lvl9pPr marL="1535826" indent="0" algn="ctr">
+              <a:buNone/>
+              <a:defRPr sz="672"/>
             </a:lvl9pPr>
           </a:lstStyle>
           <a:p>
             <a:r>
               <a:rPr lang="pt-PT"/>
-              <a:t>Clique para editar o estilo do subtítulo do Modelo Global</a:t>
+              <a:t>Clique para editar o estilo de subtítulo do Modelo Global</a:t>
             </a:r>
             <a:endParaRPr lang="en-US" dirty="0"/>
           </a:p>
@@ -247,7 +247,7 @@
           <a:p>
             <a:fld id="{ADCDCB4D-466A-47BC-8E14-4F015EFD8679}" type="datetimeFigureOut">
               <a:rPr lang="pt-PT" smtClean="0"/>
-              <a:t>06-12-2017</a:t>
+              <a:t>27-02-2018</a:t>
             </a:fld>
             <a:endParaRPr lang="pt-PT"/>
           </a:p>
@@ -298,7 +298,7 @@
     </p:spTree>
     <p:extLst>
       <p:ext uri="{BB962C8B-B14F-4D97-AF65-F5344CB8AC3E}">
-        <p14:creationId xmlns:p14="http://schemas.microsoft.com/office/powerpoint/2010/main" val="860941998"/>
+        <p14:creationId xmlns:p14="http://schemas.microsoft.com/office/powerpoint/2010/main" val="1210918734"/>
       </p:ext>
     </p:extLst>
   </p:cSld>
@@ -417,7 +417,7 @@
           <a:p>
             <a:fld id="{ADCDCB4D-466A-47BC-8E14-4F015EFD8679}" type="datetimeFigureOut">
               <a:rPr lang="pt-PT" smtClean="0"/>
-              <a:t>06-12-2017</a:t>
+              <a:t>27-02-2018</a:t>
             </a:fld>
             <a:endParaRPr lang="pt-PT"/>
           </a:p>
@@ -468,7 +468,7 @@
     </p:spTree>
     <p:extLst>
       <p:ext uri="{BB962C8B-B14F-4D97-AF65-F5344CB8AC3E}">
-        <p14:creationId xmlns:p14="http://schemas.microsoft.com/office/powerpoint/2010/main" val="209394383"/>
+        <p14:creationId xmlns:p14="http://schemas.microsoft.com/office/powerpoint/2010/main" val="2656567139"/>
       </p:ext>
     </p:extLst>
   </p:cSld>
@@ -507,8 +507,8 @@
         </p:nvSpPr>
         <p:spPr>
           <a:xfrm>
-            <a:off x="6441430" y="287536"/>
-            <a:ext cx="1940868" cy="4576822"/>
+            <a:off x="5130423" y="153319"/>
+            <a:ext cx="1545848" cy="2440434"/>
           </a:xfrm>
         </p:spPr>
         <p:txBody>
@@ -535,8 +535,8 @@
         </p:nvSpPr>
         <p:spPr>
           <a:xfrm>
-            <a:off x="618827" y="287536"/>
-            <a:ext cx="5710089" cy="4576822"/>
+            <a:off x="492879" y="153319"/>
+            <a:ext cx="4547930" cy="2440434"/>
           </a:xfrm>
         </p:spPr>
         <p:txBody>
@@ -597,7 +597,7 @@
           <a:p>
             <a:fld id="{ADCDCB4D-466A-47BC-8E14-4F015EFD8679}" type="datetimeFigureOut">
               <a:rPr lang="pt-PT" smtClean="0"/>
-              <a:t>06-12-2017</a:t>
+              <a:t>27-02-2018</a:t>
             </a:fld>
             <a:endParaRPr lang="pt-PT"/>
           </a:p>
@@ -648,7 +648,7 @@
     </p:spTree>
     <p:extLst>
       <p:ext uri="{BB962C8B-B14F-4D97-AF65-F5344CB8AC3E}">
-        <p14:creationId xmlns:p14="http://schemas.microsoft.com/office/powerpoint/2010/main" val="3787929070"/>
+        <p14:creationId xmlns:p14="http://schemas.microsoft.com/office/powerpoint/2010/main" val="1373919952"/>
       </p:ext>
     </p:extLst>
   </p:cSld>
@@ -767,7 +767,7 @@
           <a:p>
             <a:fld id="{ADCDCB4D-466A-47BC-8E14-4F015EFD8679}" type="datetimeFigureOut">
               <a:rPr lang="pt-PT" smtClean="0"/>
-              <a:t>06-12-2017</a:t>
+              <a:t>27-02-2018</a:t>
             </a:fld>
             <a:endParaRPr lang="pt-PT"/>
           </a:p>
@@ -818,7 +818,7 @@
     </p:spTree>
     <p:extLst>
       <p:ext uri="{BB962C8B-B14F-4D97-AF65-F5344CB8AC3E}">
-        <p14:creationId xmlns:p14="http://schemas.microsoft.com/office/powerpoint/2010/main" val="3327178456"/>
+        <p14:creationId xmlns:p14="http://schemas.microsoft.com/office/powerpoint/2010/main" val="3132102980"/>
       </p:ext>
     </p:extLst>
   </p:cSld>
@@ -857,15 +857,15 @@
         </p:nvSpPr>
         <p:spPr>
           <a:xfrm>
-            <a:off x="614139" y="1346419"/>
-            <a:ext cx="7763470" cy="2246530"/>
+            <a:off x="489145" y="717932"/>
+            <a:ext cx="6183392" cy="1197885"/>
           </a:xfrm>
         </p:spPr>
         <p:txBody>
           <a:bodyPr anchor="b"/>
           <a:lstStyle>
             <a:lvl1pPr>
-              <a:defRPr sz="4430"/>
+              <a:defRPr sz="2519"/>
             </a:lvl1pPr>
           </a:lstStyle>
           <a:p>
@@ -889,8 +889,8 @@
         </p:nvSpPr>
         <p:spPr>
           <a:xfrm>
-            <a:off x="614139" y="3614203"/>
-            <a:ext cx="7763470" cy="1181397"/>
+            <a:off x="489145" y="1927150"/>
+            <a:ext cx="6183392" cy="629940"/>
           </a:xfrm>
         </p:spPr>
         <p:txBody>
@@ -898,7 +898,7 @@
           <a:lstStyle>
             <a:lvl1pPr marL="0" indent="0">
               <a:buNone/>
-              <a:defRPr sz="1772">
+              <a:defRPr sz="1008">
                 <a:solidFill>
                   <a:schemeClr val="tx1">
                     <a:tint val="75000"/>
@@ -906,9 +906,9 @@
                 </a:solidFill>
               </a:defRPr>
             </a:lvl1pPr>
-            <a:lvl2pPr marL="337551" indent="0">
-              <a:buNone/>
-              <a:defRPr sz="1477">
+            <a:lvl2pPr marL="191978" indent="0">
+              <a:buNone/>
+              <a:defRPr sz="840">
                 <a:solidFill>
                   <a:schemeClr val="tx1">
                     <a:tint val="75000"/>
@@ -916,9 +916,9 @@
                 </a:solidFill>
               </a:defRPr>
             </a:lvl2pPr>
-            <a:lvl3pPr marL="675102" indent="0">
-              <a:buNone/>
-              <a:defRPr sz="1329">
+            <a:lvl3pPr marL="383957" indent="0">
+              <a:buNone/>
+              <a:defRPr sz="756">
                 <a:solidFill>
                   <a:schemeClr val="tx1">
                     <a:tint val="75000"/>
@@ -926,9 +926,9 @@
                 </a:solidFill>
               </a:defRPr>
             </a:lvl3pPr>
-            <a:lvl4pPr marL="1012652" indent="0">
-              <a:buNone/>
-              <a:defRPr sz="1181">
+            <a:lvl4pPr marL="575935" indent="0">
+              <a:buNone/>
+              <a:defRPr sz="672">
                 <a:solidFill>
                   <a:schemeClr val="tx1">
                     <a:tint val="75000"/>
@@ -936,9 +936,9 @@
                 </a:solidFill>
               </a:defRPr>
             </a:lvl4pPr>
-            <a:lvl5pPr marL="1350203" indent="0">
-              <a:buNone/>
-              <a:defRPr sz="1181">
+            <a:lvl5pPr marL="767913" indent="0">
+              <a:buNone/>
+              <a:defRPr sz="672">
                 <a:solidFill>
                   <a:schemeClr val="tx1">
                     <a:tint val="75000"/>
@@ -946,9 +946,9 @@
                 </a:solidFill>
               </a:defRPr>
             </a:lvl5pPr>
-            <a:lvl6pPr marL="1687754" indent="0">
-              <a:buNone/>
-              <a:defRPr sz="1181">
+            <a:lvl6pPr marL="959891" indent="0">
+              <a:buNone/>
+              <a:defRPr sz="672">
                 <a:solidFill>
                   <a:schemeClr val="tx1">
                     <a:tint val="75000"/>
@@ -956,9 +956,9 @@
                 </a:solidFill>
               </a:defRPr>
             </a:lvl6pPr>
-            <a:lvl7pPr marL="2025305" indent="0">
-              <a:buNone/>
-              <a:defRPr sz="1181">
+            <a:lvl7pPr marL="1151870" indent="0">
+              <a:buNone/>
+              <a:defRPr sz="672">
                 <a:solidFill>
                   <a:schemeClr val="tx1">
                     <a:tint val="75000"/>
@@ -966,9 +966,9 @@
                 </a:solidFill>
               </a:defRPr>
             </a:lvl7pPr>
-            <a:lvl8pPr marL="2362855" indent="0">
-              <a:buNone/>
-              <a:defRPr sz="1181">
+            <a:lvl8pPr marL="1343848" indent="0">
+              <a:buNone/>
+              <a:defRPr sz="672">
                 <a:solidFill>
                   <a:schemeClr val="tx1">
                     <a:tint val="75000"/>
@@ -976,9 +976,9 @@
                 </a:solidFill>
               </a:defRPr>
             </a:lvl8pPr>
-            <a:lvl9pPr marL="2700406" indent="0">
-              <a:buNone/>
-              <a:defRPr sz="1181">
+            <a:lvl9pPr marL="1535826" indent="0">
+              <a:buNone/>
+              <a:defRPr sz="672">
                 <a:solidFill>
                   <a:schemeClr val="tx1">
                     <a:tint val="75000"/>
@@ -1013,7 +1013,7 @@
           <a:p>
             <a:fld id="{ADCDCB4D-466A-47BC-8E14-4F015EFD8679}" type="datetimeFigureOut">
               <a:rPr lang="pt-PT" smtClean="0"/>
-              <a:t>06-12-2017</a:t>
+              <a:t>27-02-2018</a:t>
             </a:fld>
             <a:endParaRPr lang="pt-PT"/>
           </a:p>
@@ -1064,7 +1064,7 @@
     </p:spTree>
     <p:extLst>
       <p:ext uri="{BB962C8B-B14F-4D97-AF65-F5344CB8AC3E}">
-        <p14:creationId xmlns:p14="http://schemas.microsoft.com/office/powerpoint/2010/main" val="2947235337"/>
+        <p14:creationId xmlns:p14="http://schemas.microsoft.com/office/powerpoint/2010/main" val="2717676484"/>
       </p:ext>
     </p:extLst>
   </p:cSld>
@@ -1126,8 +1126,8 @@
         </p:nvSpPr>
         <p:spPr>
           <a:xfrm>
-            <a:off x="618827" y="1437680"/>
-            <a:ext cx="3825478" cy="3426679"/>
+            <a:off x="492879" y="766593"/>
+            <a:ext cx="3046889" cy="1827159"/>
           </a:xfrm>
         </p:spPr>
         <p:txBody>
@@ -1183,8 +1183,8 @@
         </p:nvSpPr>
         <p:spPr>
           <a:xfrm>
-            <a:off x="4556820" y="1437680"/>
-            <a:ext cx="3825478" cy="3426679"/>
+            <a:off x="3629382" y="766593"/>
+            <a:ext cx="3046889" cy="1827159"/>
           </a:xfrm>
         </p:spPr>
         <p:txBody>
@@ -1245,7 +1245,7 @@
           <a:p>
             <a:fld id="{ADCDCB4D-466A-47BC-8E14-4F015EFD8679}" type="datetimeFigureOut">
               <a:rPr lang="pt-PT" smtClean="0"/>
-              <a:t>06-12-2017</a:t>
+              <a:t>27-02-2018</a:t>
             </a:fld>
             <a:endParaRPr lang="pt-PT"/>
           </a:p>
@@ -1296,7 +1296,7 @@
     </p:spTree>
     <p:extLst>
       <p:ext uri="{BB962C8B-B14F-4D97-AF65-F5344CB8AC3E}">
-        <p14:creationId xmlns:p14="http://schemas.microsoft.com/office/powerpoint/2010/main" val="2049617643"/>
+        <p14:creationId xmlns:p14="http://schemas.microsoft.com/office/powerpoint/2010/main" val="2517918339"/>
       </p:ext>
     </p:extLst>
   </p:cSld>
@@ -1335,8 +1335,8 @@
         </p:nvSpPr>
         <p:spPr>
           <a:xfrm>
-            <a:off x="620000" y="287536"/>
-            <a:ext cx="7763470" cy="1043881"/>
+            <a:off x="493813" y="153319"/>
+            <a:ext cx="6183392" cy="556614"/>
           </a:xfrm>
         </p:spPr>
         <p:txBody>
@@ -1363,8 +1363,8 @@
         </p:nvSpPr>
         <p:spPr>
           <a:xfrm>
-            <a:off x="620000" y="1323916"/>
-            <a:ext cx="3807897" cy="648831"/>
+            <a:off x="493813" y="705933"/>
+            <a:ext cx="3032886" cy="345967"/>
           </a:xfrm>
         </p:spPr>
         <p:txBody>
@@ -1372,39 +1372,39 @@
           <a:lstStyle>
             <a:lvl1pPr marL="0" indent="0">
               <a:buNone/>
-              <a:defRPr sz="1772" b="1"/>
+              <a:defRPr sz="1008" b="1"/>
             </a:lvl1pPr>
-            <a:lvl2pPr marL="337551" indent="0">
-              <a:buNone/>
-              <a:defRPr sz="1477" b="1"/>
+            <a:lvl2pPr marL="191978" indent="0">
+              <a:buNone/>
+              <a:defRPr sz="840" b="1"/>
             </a:lvl2pPr>
-            <a:lvl3pPr marL="675102" indent="0">
-              <a:buNone/>
-              <a:defRPr sz="1329" b="1"/>
+            <a:lvl3pPr marL="383957" indent="0">
+              <a:buNone/>
+              <a:defRPr sz="756" b="1"/>
             </a:lvl3pPr>
-            <a:lvl4pPr marL="1012652" indent="0">
-              <a:buNone/>
-              <a:defRPr sz="1181" b="1"/>
+            <a:lvl4pPr marL="575935" indent="0">
+              <a:buNone/>
+              <a:defRPr sz="672" b="1"/>
             </a:lvl4pPr>
-            <a:lvl5pPr marL="1350203" indent="0">
-              <a:buNone/>
-              <a:defRPr sz="1181" b="1"/>
+            <a:lvl5pPr marL="767913" indent="0">
+              <a:buNone/>
+              <a:defRPr sz="672" b="1"/>
             </a:lvl5pPr>
-            <a:lvl6pPr marL="1687754" indent="0">
-              <a:buNone/>
-              <a:defRPr sz="1181" b="1"/>
+            <a:lvl6pPr marL="959891" indent="0">
+              <a:buNone/>
+              <a:defRPr sz="672" b="1"/>
             </a:lvl6pPr>
-            <a:lvl7pPr marL="2025305" indent="0">
-              <a:buNone/>
-              <a:defRPr sz="1181" b="1"/>
+            <a:lvl7pPr marL="1151870" indent="0">
+              <a:buNone/>
+              <a:defRPr sz="672" b="1"/>
             </a:lvl7pPr>
-            <a:lvl8pPr marL="2362855" indent="0">
-              <a:buNone/>
-              <a:defRPr sz="1181" b="1"/>
+            <a:lvl8pPr marL="1343848" indent="0">
+              <a:buNone/>
+              <a:defRPr sz="672" b="1"/>
             </a:lvl8pPr>
-            <a:lvl9pPr marL="2700406" indent="0">
-              <a:buNone/>
-              <a:defRPr sz="1181" b="1"/>
+            <a:lvl9pPr marL="1535826" indent="0">
+              <a:buNone/>
+              <a:defRPr sz="672" b="1"/>
             </a:lvl9pPr>
           </a:lstStyle>
           <a:p>
@@ -1428,8 +1428,8 @@
         </p:nvSpPr>
         <p:spPr>
           <a:xfrm>
-            <a:off x="620000" y="1972747"/>
-            <a:ext cx="3807897" cy="2901613"/>
+            <a:off x="493813" y="1051899"/>
+            <a:ext cx="3032886" cy="1547186"/>
           </a:xfrm>
         </p:spPr>
         <p:txBody>
@@ -1485,8 +1485,8 @@
         </p:nvSpPr>
         <p:spPr>
           <a:xfrm>
-            <a:off x="4556819" y="1323916"/>
-            <a:ext cx="3826651" cy="648831"/>
+            <a:off x="3629382" y="705933"/>
+            <a:ext cx="3047823" cy="345967"/>
           </a:xfrm>
         </p:spPr>
         <p:txBody>
@@ -1494,39 +1494,39 @@
           <a:lstStyle>
             <a:lvl1pPr marL="0" indent="0">
               <a:buNone/>
-              <a:defRPr sz="1772" b="1"/>
+              <a:defRPr sz="1008" b="1"/>
             </a:lvl1pPr>
-            <a:lvl2pPr marL="337551" indent="0">
-              <a:buNone/>
-              <a:defRPr sz="1477" b="1"/>
+            <a:lvl2pPr marL="191978" indent="0">
+              <a:buNone/>
+              <a:defRPr sz="840" b="1"/>
             </a:lvl2pPr>
-            <a:lvl3pPr marL="675102" indent="0">
-              <a:buNone/>
-              <a:defRPr sz="1329" b="1"/>
+            <a:lvl3pPr marL="383957" indent="0">
+              <a:buNone/>
+              <a:defRPr sz="756" b="1"/>
             </a:lvl3pPr>
-            <a:lvl4pPr marL="1012652" indent="0">
-              <a:buNone/>
-              <a:defRPr sz="1181" b="1"/>
+            <a:lvl4pPr marL="575935" indent="0">
+              <a:buNone/>
+              <a:defRPr sz="672" b="1"/>
             </a:lvl4pPr>
-            <a:lvl5pPr marL="1350203" indent="0">
-              <a:buNone/>
-              <a:defRPr sz="1181" b="1"/>
+            <a:lvl5pPr marL="767913" indent="0">
+              <a:buNone/>
+              <a:defRPr sz="672" b="1"/>
             </a:lvl5pPr>
-            <a:lvl6pPr marL="1687754" indent="0">
-              <a:buNone/>
-              <a:defRPr sz="1181" b="1"/>
+            <a:lvl6pPr marL="959891" indent="0">
+              <a:buNone/>
+              <a:defRPr sz="672" b="1"/>
             </a:lvl6pPr>
-            <a:lvl7pPr marL="2025305" indent="0">
-              <a:buNone/>
-              <a:defRPr sz="1181" b="1"/>
+            <a:lvl7pPr marL="1151870" indent="0">
+              <a:buNone/>
+              <a:defRPr sz="672" b="1"/>
             </a:lvl7pPr>
-            <a:lvl8pPr marL="2362855" indent="0">
-              <a:buNone/>
-              <a:defRPr sz="1181" b="1"/>
+            <a:lvl8pPr marL="1343848" indent="0">
+              <a:buNone/>
+              <a:defRPr sz="672" b="1"/>
             </a:lvl8pPr>
-            <a:lvl9pPr marL="2700406" indent="0">
-              <a:buNone/>
-              <a:defRPr sz="1181" b="1"/>
+            <a:lvl9pPr marL="1535826" indent="0">
+              <a:buNone/>
+              <a:defRPr sz="672" b="1"/>
             </a:lvl9pPr>
           </a:lstStyle>
           <a:p>
@@ -1550,8 +1550,8 @@
         </p:nvSpPr>
         <p:spPr>
           <a:xfrm>
-            <a:off x="4556819" y="1972747"/>
-            <a:ext cx="3826651" cy="2901613"/>
+            <a:off x="3629382" y="1051899"/>
+            <a:ext cx="3047823" cy="1547186"/>
           </a:xfrm>
         </p:spPr>
         <p:txBody>
@@ -1612,7 +1612,7 @@
           <a:p>
             <a:fld id="{ADCDCB4D-466A-47BC-8E14-4F015EFD8679}" type="datetimeFigureOut">
               <a:rPr lang="pt-PT" smtClean="0"/>
-              <a:t>06-12-2017</a:t>
+              <a:t>27-02-2018</a:t>
             </a:fld>
             <a:endParaRPr lang="pt-PT"/>
           </a:p>
@@ -1663,7 +1663,7 @@
     </p:spTree>
     <p:extLst>
       <p:ext uri="{BB962C8B-B14F-4D97-AF65-F5344CB8AC3E}">
-        <p14:creationId xmlns:p14="http://schemas.microsoft.com/office/powerpoint/2010/main" val="2411697817"/>
+        <p14:creationId xmlns:p14="http://schemas.microsoft.com/office/powerpoint/2010/main" val="1435550385"/>
       </p:ext>
     </p:extLst>
   </p:cSld>
@@ -1730,7 +1730,7 @@
           <a:p>
             <a:fld id="{ADCDCB4D-466A-47BC-8E14-4F015EFD8679}" type="datetimeFigureOut">
               <a:rPr lang="pt-PT" smtClean="0"/>
-              <a:t>06-12-2017</a:t>
+              <a:t>27-02-2018</a:t>
             </a:fld>
             <a:endParaRPr lang="pt-PT"/>
           </a:p>
@@ -1781,7 +1781,7 @@
     </p:spTree>
     <p:extLst>
       <p:ext uri="{BB962C8B-B14F-4D97-AF65-F5344CB8AC3E}">
-        <p14:creationId xmlns:p14="http://schemas.microsoft.com/office/powerpoint/2010/main" val="3814572714"/>
+        <p14:creationId xmlns:p14="http://schemas.microsoft.com/office/powerpoint/2010/main" val="3717550940"/>
       </p:ext>
     </p:extLst>
   </p:cSld>
@@ -1825,7 +1825,7 @@
           <a:p>
             <a:fld id="{ADCDCB4D-466A-47BC-8E14-4F015EFD8679}" type="datetimeFigureOut">
               <a:rPr lang="pt-PT" smtClean="0"/>
-              <a:t>06-12-2017</a:t>
+              <a:t>27-02-2018</a:t>
             </a:fld>
             <a:endParaRPr lang="pt-PT"/>
           </a:p>
@@ -1876,7 +1876,7 @@
     </p:spTree>
     <p:extLst>
       <p:ext uri="{BB962C8B-B14F-4D97-AF65-F5344CB8AC3E}">
-        <p14:creationId xmlns:p14="http://schemas.microsoft.com/office/powerpoint/2010/main" val="3394998162"/>
+        <p14:creationId xmlns:p14="http://schemas.microsoft.com/office/powerpoint/2010/main" val="1034617183"/>
       </p:ext>
     </p:extLst>
   </p:cSld>
@@ -1915,15 +1915,15 @@
         </p:nvSpPr>
         <p:spPr>
           <a:xfrm>
-            <a:off x="620000" y="360045"/>
-            <a:ext cx="2903097" cy="1260158"/>
+            <a:off x="493813" y="191982"/>
+            <a:ext cx="2312237" cy="671936"/>
           </a:xfrm>
         </p:spPr>
         <p:txBody>
           <a:bodyPr anchor="b"/>
           <a:lstStyle>
             <a:lvl1pPr>
-              <a:defRPr sz="2363"/>
+              <a:defRPr sz="1344"/>
             </a:lvl1pPr>
           </a:lstStyle>
           <a:p>
@@ -1947,39 +1947,39 @@
         </p:nvSpPr>
         <p:spPr>
           <a:xfrm>
-            <a:off x="3826650" y="777597"/>
-            <a:ext cx="4556820" cy="3837980"/>
+            <a:off x="3047823" y="414627"/>
+            <a:ext cx="3629382" cy="2046471"/>
           </a:xfrm>
         </p:spPr>
         <p:txBody>
           <a:bodyPr/>
           <a:lstStyle>
             <a:lvl1pPr>
-              <a:defRPr sz="2363"/>
+              <a:defRPr sz="1344"/>
             </a:lvl1pPr>
             <a:lvl2pPr>
-              <a:defRPr sz="2067"/>
+              <a:defRPr sz="1176"/>
             </a:lvl2pPr>
             <a:lvl3pPr>
-              <a:defRPr sz="1772"/>
+              <a:defRPr sz="1008"/>
             </a:lvl3pPr>
             <a:lvl4pPr>
-              <a:defRPr sz="1477"/>
+              <a:defRPr sz="840"/>
             </a:lvl4pPr>
             <a:lvl5pPr>
-              <a:defRPr sz="1477"/>
+              <a:defRPr sz="840"/>
             </a:lvl5pPr>
             <a:lvl6pPr>
-              <a:defRPr sz="1477"/>
+              <a:defRPr sz="840"/>
             </a:lvl6pPr>
             <a:lvl7pPr>
-              <a:defRPr sz="1477"/>
+              <a:defRPr sz="840"/>
             </a:lvl7pPr>
             <a:lvl8pPr>
-              <a:defRPr sz="1477"/>
+              <a:defRPr sz="840"/>
             </a:lvl8pPr>
             <a:lvl9pPr>
-              <a:defRPr sz="1477"/>
+              <a:defRPr sz="840"/>
             </a:lvl9pPr>
           </a:lstStyle>
           <a:p>
@@ -2032,8 +2032,8 @@
         </p:nvSpPr>
         <p:spPr>
           <a:xfrm>
-            <a:off x="620000" y="1620202"/>
-            <a:ext cx="2903097" cy="3001626"/>
+            <a:off x="493813" y="863918"/>
+            <a:ext cx="2312237" cy="1600514"/>
           </a:xfrm>
         </p:spPr>
         <p:txBody>
@@ -2041,39 +2041,39 @@
           <a:lstStyle>
             <a:lvl1pPr marL="0" indent="0">
               <a:buNone/>
-              <a:defRPr sz="1181"/>
+              <a:defRPr sz="672"/>
             </a:lvl1pPr>
-            <a:lvl2pPr marL="337551" indent="0">
-              <a:buNone/>
-              <a:defRPr sz="1034"/>
+            <a:lvl2pPr marL="191978" indent="0">
+              <a:buNone/>
+              <a:defRPr sz="588"/>
             </a:lvl2pPr>
-            <a:lvl3pPr marL="675102" indent="0">
-              <a:buNone/>
-              <a:defRPr sz="886"/>
+            <a:lvl3pPr marL="383957" indent="0">
+              <a:buNone/>
+              <a:defRPr sz="504"/>
             </a:lvl3pPr>
-            <a:lvl4pPr marL="1012652" indent="0">
-              <a:buNone/>
-              <a:defRPr sz="738"/>
+            <a:lvl4pPr marL="575935" indent="0">
+              <a:buNone/>
+              <a:defRPr sz="420"/>
             </a:lvl4pPr>
-            <a:lvl5pPr marL="1350203" indent="0">
-              <a:buNone/>
-              <a:defRPr sz="738"/>
+            <a:lvl5pPr marL="767913" indent="0">
+              <a:buNone/>
+              <a:defRPr sz="420"/>
             </a:lvl5pPr>
-            <a:lvl6pPr marL="1687754" indent="0">
-              <a:buNone/>
-              <a:defRPr sz="738"/>
+            <a:lvl6pPr marL="959891" indent="0">
+              <a:buNone/>
+              <a:defRPr sz="420"/>
             </a:lvl6pPr>
-            <a:lvl7pPr marL="2025305" indent="0">
-              <a:buNone/>
-              <a:defRPr sz="738"/>
+            <a:lvl7pPr marL="1151870" indent="0">
+              <a:buNone/>
+              <a:defRPr sz="420"/>
             </a:lvl7pPr>
-            <a:lvl8pPr marL="2362855" indent="0">
-              <a:buNone/>
-              <a:defRPr sz="738"/>
+            <a:lvl8pPr marL="1343848" indent="0">
+              <a:buNone/>
+              <a:defRPr sz="420"/>
             </a:lvl8pPr>
-            <a:lvl9pPr marL="2700406" indent="0">
-              <a:buNone/>
-              <a:defRPr sz="738"/>
+            <a:lvl9pPr marL="1535826" indent="0">
+              <a:buNone/>
+              <a:defRPr sz="420"/>
             </a:lvl9pPr>
           </a:lstStyle>
           <a:p>
@@ -2102,7 +2102,7 @@
           <a:p>
             <a:fld id="{ADCDCB4D-466A-47BC-8E14-4F015EFD8679}" type="datetimeFigureOut">
               <a:rPr lang="pt-PT" smtClean="0"/>
-              <a:t>06-12-2017</a:t>
+              <a:t>27-02-2018</a:t>
             </a:fld>
             <a:endParaRPr lang="pt-PT"/>
           </a:p>
@@ -2153,7 +2153,7 @@
     </p:spTree>
     <p:extLst>
       <p:ext uri="{BB962C8B-B14F-4D97-AF65-F5344CB8AC3E}">
-        <p14:creationId xmlns:p14="http://schemas.microsoft.com/office/powerpoint/2010/main" val="1419083875"/>
+        <p14:creationId xmlns:p14="http://schemas.microsoft.com/office/powerpoint/2010/main" val="3614606506"/>
       </p:ext>
     </p:extLst>
   </p:cSld>
@@ -2192,15 +2192,15 @@
         </p:nvSpPr>
         <p:spPr>
           <a:xfrm>
-            <a:off x="620000" y="360045"/>
-            <a:ext cx="2903097" cy="1260158"/>
+            <a:off x="493813" y="191982"/>
+            <a:ext cx="2312237" cy="671936"/>
           </a:xfrm>
         </p:spPr>
         <p:txBody>
           <a:bodyPr anchor="b"/>
           <a:lstStyle>
             <a:lvl1pPr>
-              <a:defRPr sz="2363"/>
+              <a:defRPr sz="1344"/>
             </a:lvl1pPr>
           </a:lstStyle>
           <a:p>
@@ -2224,8 +2224,8 @@
         </p:nvSpPr>
         <p:spPr>
           <a:xfrm>
-            <a:off x="3826650" y="777597"/>
-            <a:ext cx="4556820" cy="3837980"/>
+            <a:off x="3047823" y="414627"/>
+            <a:ext cx="3629382" cy="2046471"/>
           </a:xfrm>
         </p:spPr>
         <p:txBody>
@@ -2233,39 +2233,39 @@
           <a:lstStyle>
             <a:lvl1pPr marL="0" indent="0">
               <a:buNone/>
-              <a:defRPr sz="2363"/>
+              <a:defRPr sz="1344"/>
             </a:lvl1pPr>
-            <a:lvl2pPr marL="337551" indent="0">
-              <a:buNone/>
-              <a:defRPr sz="2067"/>
+            <a:lvl2pPr marL="191978" indent="0">
+              <a:buNone/>
+              <a:defRPr sz="1176"/>
             </a:lvl2pPr>
-            <a:lvl3pPr marL="675102" indent="0">
-              <a:buNone/>
-              <a:defRPr sz="1772"/>
+            <a:lvl3pPr marL="383957" indent="0">
+              <a:buNone/>
+              <a:defRPr sz="1008"/>
             </a:lvl3pPr>
-            <a:lvl4pPr marL="1012652" indent="0">
-              <a:buNone/>
-              <a:defRPr sz="1477"/>
+            <a:lvl4pPr marL="575935" indent="0">
+              <a:buNone/>
+              <a:defRPr sz="840"/>
             </a:lvl4pPr>
-            <a:lvl5pPr marL="1350203" indent="0">
-              <a:buNone/>
-              <a:defRPr sz="1477"/>
+            <a:lvl5pPr marL="767913" indent="0">
+              <a:buNone/>
+              <a:defRPr sz="840"/>
             </a:lvl5pPr>
-            <a:lvl6pPr marL="1687754" indent="0">
-              <a:buNone/>
-              <a:defRPr sz="1477"/>
+            <a:lvl6pPr marL="959891" indent="0">
+              <a:buNone/>
+              <a:defRPr sz="840"/>
             </a:lvl6pPr>
-            <a:lvl7pPr marL="2025305" indent="0">
-              <a:buNone/>
-              <a:defRPr sz="1477"/>
+            <a:lvl7pPr marL="1151870" indent="0">
+              <a:buNone/>
+              <a:defRPr sz="840"/>
             </a:lvl7pPr>
-            <a:lvl8pPr marL="2362855" indent="0">
-              <a:buNone/>
-              <a:defRPr sz="1477"/>
+            <a:lvl8pPr marL="1343848" indent="0">
+              <a:buNone/>
+              <a:defRPr sz="840"/>
             </a:lvl8pPr>
-            <a:lvl9pPr marL="2700406" indent="0">
-              <a:buNone/>
-              <a:defRPr sz="1477"/>
+            <a:lvl9pPr marL="1535826" indent="0">
+              <a:buNone/>
+              <a:defRPr sz="840"/>
             </a:lvl9pPr>
           </a:lstStyle>
           <a:p>
@@ -2289,8 +2289,8 @@
         </p:nvSpPr>
         <p:spPr>
           <a:xfrm>
-            <a:off x="620000" y="1620202"/>
-            <a:ext cx="2903097" cy="3001626"/>
+            <a:off x="493813" y="863918"/>
+            <a:ext cx="2312237" cy="1600514"/>
           </a:xfrm>
         </p:spPr>
         <p:txBody>
@@ -2298,39 +2298,39 @@
           <a:lstStyle>
             <a:lvl1pPr marL="0" indent="0">
               <a:buNone/>
-              <a:defRPr sz="1181"/>
+              <a:defRPr sz="672"/>
             </a:lvl1pPr>
-            <a:lvl2pPr marL="337551" indent="0">
-              <a:buNone/>
-              <a:defRPr sz="1034"/>
+            <a:lvl2pPr marL="191978" indent="0">
+              <a:buNone/>
+              <a:defRPr sz="588"/>
             </a:lvl2pPr>
-            <a:lvl3pPr marL="675102" indent="0">
-              <a:buNone/>
-              <a:defRPr sz="886"/>
+            <a:lvl3pPr marL="383957" indent="0">
+              <a:buNone/>
+              <a:defRPr sz="504"/>
             </a:lvl3pPr>
-            <a:lvl4pPr marL="1012652" indent="0">
-              <a:buNone/>
-              <a:defRPr sz="738"/>
+            <a:lvl4pPr marL="575935" indent="0">
+              <a:buNone/>
+              <a:defRPr sz="420"/>
             </a:lvl4pPr>
-            <a:lvl5pPr marL="1350203" indent="0">
-              <a:buNone/>
-              <a:defRPr sz="738"/>
+            <a:lvl5pPr marL="767913" indent="0">
+              <a:buNone/>
+              <a:defRPr sz="420"/>
             </a:lvl5pPr>
-            <a:lvl6pPr marL="1687754" indent="0">
-              <a:buNone/>
-              <a:defRPr sz="738"/>
+            <a:lvl6pPr marL="959891" indent="0">
+              <a:buNone/>
+              <a:defRPr sz="420"/>
             </a:lvl6pPr>
-            <a:lvl7pPr marL="2025305" indent="0">
-              <a:buNone/>
-              <a:defRPr sz="738"/>
+            <a:lvl7pPr marL="1151870" indent="0">
+              <a:buNone/>
+              <a:defRPr sz="420"/>
             </a:lvl7pPr>
-            <a:lvl8pPr marL="2362855" indent="0">
-              <a:buNone/>
-              <a:defRPr sz="738"/>
+            <a:lvl8pPr marL="1343848" indent="0">
+              <a:buNone/>
+              <a:defRPr sz="420"/>
             </a:lvl8pPr>
-            <a:lvl9pPr marL="2700406" indent="0">
-              <a:buNone/>
-              <a:defRPr sz="738"/>
+            <a:lvl9pPr marL="1535826" indent="0">
+              <a:buNone/>
+              <a:defRPr sz="420"/>
             </a:lvl9pPr>
           </a:lstStyle>
           <a:p>
@@ -2359,7 +2359,7 @@
           <a:p>
             <a:fld id="{ADCDCB4D-466A-47BC-8E14-4F015EFD8679}" type="datetimeFigureOut">
               <a:rPr lang="pt-PT" smtClean="0"/>
-              <a:t>06-12-2017</a:t>
+              <a:t>27-02-2018</a:t>
             </a:fld>
             <a:endParaRPr lang="pt-PT"/>
           </a:p>
@@ -2410,7 +2410,7 @@
     </p:spTree>
     <p:extLst>
       <p:ext uri="{BB962C8B-B14F-4D97-AF65-F5344CB8AC3E}">
-        <p14:creationId xmlns:p14="http://schemas.microsoft.com/office/powerpoint/2010/main" val="498148463"/>
+        <p14:creationId xmlns:p14="http://schemas.microsoft.com/office/powerpoint/2010/main" val="429836778"/>
       </p:ext>
     </p:extLst>
   </p:cSld>
@@ -2454,8 +2454,8 @@
         </p:nvSpPr>
         <p:spPr>
           <a:xfrm>
-            <a:off x="618828" y="287536"/>
-            <a:ext cx="7763470" cy="1043881"/>
+            <a:off x="492879" y="153319"/>
+            <a:ext cx="6183392" cy="556614"/>
           </a:xfrm>
           <a:prstGeom prst="rect">
             <a:avLst/>
@@ -2487,8 +2487,8 @@
         </p:nvSpPr>
         <p:spPr>
           <a:xfrm>
-            <a:off x="618828" y="1437680"/>
-            <a:ext cx="7763470" cy="3426679"/>
+            <a:off x="492879" y="766593"/>
+            <a:ext cx="6183392" cy="1827159"/>
           </a:xfrm>
           <a:prstGeom prst="rect">
             <a:avLst/>
@@ -2549,8 +2549,8 @@
         </p:nvSpPr>
         <p:spPr>
           <a:xfrm>
-            <a:off x="618827" y="5005626"/>
-            <a:ext cx="2025253" cy="287536"/>
+            <a:off x="492879" y="2669079"/>
+            <a:ext cx="1613059" cy="153319"/>
           </a:xfrm>
           <a:prstGeom prst="rect">
             <a:avLst/>
@@ -2560,7 +2560,7 @@
           <a:bodyPr vert="horz" lIns="91440" tIns="45720" rIns="91440" bIns="45720" rtlCol="0" anchor="ctr"/>
           <a:lstStyle>
             <a:lvl1pPr algn="l">
-              <a:defRPr sz="886">
+              <a:defRPr sz="504">
                 <a:solidFill>
                   <a:schemeClr val="tx1">
                     <a:tint val="75000"/>
@@ -2572,7 +2572,7 @@
           <a:p>
             <a:fld id="{ADCDCB4D-466A-47BC-8E14-4F015EFD8679}" type="datetimeFigureOut">
               <a:rPr lang="pt-PT" smtClean="0"/>
-              <a:t>06-12-2017</a:t>
+              <a:t>27-02-2018</a:t>
             </a:fld>
             <a:endParaRPr lang="pt-PT"/>
           </a:p>
@@ -2590,8 +2590,8 @@
         </p:nvSpPr>
         <p:spPr>
           <a:xfrm>
-            <a:off x="2981623" y="5005626"/>
-            <a:ext cx="3037880" cy="287536"/>
+            <a:off x="2374781" y="2669079"/>
+            <a:ext cx="2419588" cy="153319"/>
           </a:xfrm>
           <a:prstGeom prst="rect">
             <a:avLst/>
@@ -2601,7 +2601,7 @@
           <a:bodyPr vert="horz" lIns="91440" tIns="45720" rIns="91440" bIns="45720" rtlCol="0" anchor="ctr"/>
           <a:lstStyle>
             <a:lvl1pPr algn="ctr">
-              <a:defRPr sz="886">
+              <a:defRPr sz="504">
                 <a:solidFill>
                   <a:schemeClr val="tx1">
                     <a:tint val="75000"/>
@@ -2627,8 +2627,8 @@
         </p:nvSpPr>
         <p:spPr>
           <a:xfrm>
-            <a:off x="6357045" y="5005626"/>
-            <a:ext cx="2025253" cy="287536"/>
+            <a:off x="5063212" y="2669079"/>
+            <a:ext cx="1613059" cy="153319"/>
           </a:xfrm>
           <a:prstGeom prst="rect">
             <a:avLst/>
@@ -2638,7 +2638,7 @@
           <a:bodyPr vert="horz" lIns="91440" tIns="45720" rIns="91440" bIns="45720" rtlCol="0" anchor="ctr"/>
           <a:lstStyle>
             <a:lvl1pPr algn="r">
-              <a:defRPr sz="886">
+              <a:defRPr sz="504">
                 <a:solidFill>
                   <a:schemeClr val="tx1">
                     <a:tint val="75000"/>
@@ -2659,27 +2659,27 @@
     </p:spTree>
     <p:extLst>
       <p:ext uri="{BB962C8B-B14F-4D97-AF65-F5344CB8AC3E}">
-        <p14:creationId xmlns:p14="http://schemas.microsoft.com/office/powerpoint/2010/main" val="187184079"/>
+        <p14:creationId xmlns:p14="http://schemas.microsoft.com/office/powerpoint/2010/main" val="3881845755"/>
       </p:ext>
     </p:extLst>
   </p:cSld>
   <p:clrMap bg1="lt1" tx1="dk1" bg2="lt2" tx2="dk2" accent1="accent1" accent2="accent2" accent3="accent3" accent4="accent4" accent5="accent5" accent6="accent6" hlink="hlink" folHlink="folHlink"/>
   <p:sldLayoutIdLst>
-    <p:sldLayoutId id="2147483697" r:id="rId1"/>
-    <p:sldLayoutId id="2147483698" r:id="rId2"/>
-    <p:sldLayoutId id="2147483699" r:id="rId3"/>
-    <p:sldLayoutId id="2147483700" r:id="rId4"/>
-    <p:sldLayoutId id="2147483701" r:id="rId5"/>
-    <p:sldLayoutId id="2147483702" r:id="rId6"/>
-    <p:sldLayoutId id="2147483703" r:id="rId7"/>
-    <p:sldLayoutId id="2147483704" r:id="rId8"/>
-    <p:sldLayoutId id="2147483705" r:id="rId9"/>
-    <p:sldLayoutId id="2147483706" r:id="rId10"/>
-    <p:sldLayoutId id="2147483707" r:id="rId11"/>
+    <p:sldLayoutId id="2147483733" r:id="rId1"/>
+    <p:sldLayoutId id="2147483734" r:id="rId2"/>
+    <p:sldLayoutId id="2147483735" r:id="rId3"/>
+    <p:sldLayoutId id="2147483736" r:id="rId4"/>
+    <p:sldLayoutId id="2147483737" r:id="rId5"/>
+    <p:sldLayoutId id="2147483738" r:id="rId6"/>
+    <p:sldLayoutId id="2147483739" r:id="rId7"/>
+    <p:sldLayoutId id="2147483740" r:id="rId8"/>
+    <p:sldLayoutId id="2147483741" r:id="rId9"/>
+    <p:sldLayoutId id="2147483742" r:id="rId10"/>
+    <p:sldLayoutId id="2147483743" r:id="rId11"/>
   </p:sldLayoutIdLst>
   <p:txStyles>
     <p:titleStyle>
-      <a:lvl1pPr algn="l" defTabSz="675102" rtl="0" eaLnBrk="1" latinLnBrk="0" hangingPunct="1">
+      <a:lvl1pPr algn="l" defTabSz="383957" rtl="0" eaLnBrk="1" latinLnBrk="0" hangingPunct="1">
         <a:lnSpc>
           <a:spcPct val="90000"/>
         </a:lnSpc>
@@ -2687,7 +2687,7 @@
           <a:spcPct val="0"/>
         </a:spcBef>
         <a:buNone/>
-        <a:defRPr sz="3249" kern="1200">
+        <a:defRPr sz="1848" kern="1200">
           <a:solidFill>
             <a:schemeClr val="tx1"/>
           </a:solidFill>
@@ -2698,16 +2698,16 @@
       </a:lvl1pPr>
     </p:titleStyle>
     <p:bodyStyle>
-      <a:lvl1pPr marL="168775" indent="-168775" algn="l" defTabSz="675102" rtl="0" eaLnBrk="1" latinLnBrk="0" hangingPunct="1">
+      <a:lvl1pPr marL="95989" indent="-95989" algn="l" defTabSz="383957" rtl="0" eaLnBrk="1" latinLnBrk="0" hangingPunct="1">
         <a:lnSpc>
           <a:spcPct val="90000"/>
         </a:lnSpc>
         <a:spcBef>
-          <a:spcPts val="738"/>
+          <a:spcPts val="420"/>
         </a:spcBef>
         <a:buFont typeface="Arial" panose="020B0604020202020204" pitchFamily="34" charset="0"/>
         <a:buChar char="•"/>
-        <a:defRPr sz="2067" kern="1200">
+        <a:defRPr sz="1176" kern="1200">
           <a:solidFill>
             <a:schemeClr val="tx1"/>
           </a:solidFill>
@@ -2716,16 +2716,16 @@
           <a:cs typeface="+mn-cs"/>
         </a:defRPr>
       </a:lvl1pPr>
-      <a:lvl2pPr marL="506326" indent="-168775" algn="l" defTabSz="675102" rtl="0" eaLnBrk="1" latinLnBrk="0" hangingPunct="1">
+      <a:lvl2pPr marL="287967" indent="-95989" algn="l" defTabSz="383957" rtl="0" eaLnBrk="1" latinLnBrk="0" hangingPunct="1">
         <a:lnSpc>
           <a:spcPct val="90000"/>
         </a:lnSpc>
         <a:spcBef>
-          <a:spcPts val="369"/>
+          <a:spcPts val="210"/>
         </a:spcBef>
         <a:buFont typeface="Arial" panose="020B0604020202020204" pitchFamily="34" charset="0"/>
         <a:buChar char="•"/>
-        <a:defRPr sz="1772" kern="1200">
+        <a:defRPr sz="1008" kern="1200">
           <a:solidFill>
             <a:schemeClr val="tx1"/>
           </a:solidFill>
@@ -2734,16 +2734,16 @@
           <a:cs typeface="+mn-cs"/>
         </a:defRPr>
       </a:lvl2pPr>
-      <a:lvl3pPr marL="843877" indent="-168775" algn="l" defTabSz="675102" rtl="0" eaLnBrk="1" latinLnBrk="0" hangingPunct="1">
+      <a:lvl3pPr marL="479946" indent="-95989" algn="l" defTabSz="383957" rtl="0" eaLnBrk="1" latinLnBrk="0" hangingPunct="1">
         <a:lnSpc>
           <a:spcPct val="90000"/>
         </a:lnSpc>
         <a:spcBef>
-          <a:spcPts val="369"/>
+          <a:spcPts val="210"/>
         </a:spcBef>
         <a:buFont typeface="Arial" panose="020B0604020202020204" pitchFamily="34" charset="0"/>
         <a:buChar char="•"/>
-        <a:defRPr sz="1477" kern="1200">
+        <a:defRPr sz="840" kern="1200">
           <a:solidFill>
             <a:schemeClr val="tx1"/>
           </a:solidFill>
@@ -2752,16 +2752,16 @@
           <a:cs typeface="+mn-cs"/>
         </a:defRPr>
       </a:lvl3pPr>
-      <a:lvl4pPr marL="1181428" indent="-168775" algn="l" defTabSz="675102" rtl="0" eaLnBrk="1" latinLnBrk="0" hangingPunct="1">
+      <a:lvl4pPr marL="671924" indent="-95989" algn="l" defTabSz="383957" rtl="0" eaLnBrk="1" latinLnBrk="0" hangingPunct="1">
         <a:lnSpc>
           <a:spcPct val="90000"/>
         </a:lnSpc>
         <a:spcBef>
-          <a:spcPts val="369"/>
+          <a:spcPts val="210"/>
         </a:spcBef>
         <a:buFont typeface="Arial" panose="020B0604020202020204" pitchFamily="34" charset="0"/>
         <a:buChar char="•"/>
-        <a:defRPr sz="1329" kern="1200">
+        <a:defRPr sz="756" kern="1200">
           <a:solidFill>
             <a:schemeClr val="tx1"/>
           </a:solidFill>
@@ -2770,16 +2770,16 @@
           <a:cs typeface="+mn-cs"/>
         </a:defRPr>
       </a:lvl4pPr>
-      <a:lvl5pPr marL="1518978" indent="-168775" algn="l" defTabSz="675102" rtl="0" eaLnBrk="1" latinLnBrk="0" hangingPunct="1">
+      <a:lvl5pPr marL="863902" indent="-95989" algn="l" defTabSz="383957" rtl="0" eaLnBrk="1" latinLnBrk="0" hangingPunct="1">
         <a:lnSpc>
           <a:spcPct val="90000"/>
         </a:lnSpc>
         <a:spcBef>
-          <a:spcPts val="369"/>
+          <a:spcPts val="210"/>
         </a:spcBef>
         <a:buFont typeface="Arial" panose="020B0604020202020204" pitchFamily="34" charset="0"/>
         <a:buChar char="•"/>
-        <a:defRPr sz="1329" kern="1200">
+        <a:defRPr sz="756" kern="1200">
           <a:solidFill>
             <a:schemeClr val="tx1"/>
           </a:solidFill>
@@ -2788,16 +2788,16 @@
           <a:cs typeface="+mn-cs"/>
         </a:defRPr>
       </a:lvl5pPr>
-      <a:lvl6pPr marL="1856529" indent="-168775" algn="l" defTabSz="675102" rtl="0" eaLnBrk="1" latinLnBrk="0" hangingPunct="1">
+      <a:lvl6pPr marL="1055881" indent="-95989" algn="l" defTabSz="383957" rtl="0" eaLnBrk="1" latinLnBrk="0" hangingPunct="1">
         <a:lnSpc>
           <a:spcPct val="90000"/>
         </a:lnSpc>
         <a:spcBef>
-          <a:spcPts val="369"/>
+          <a:spcPts val="210"/>
         </a:spcBef>
         <a:buFont typeface="Arial" panose="020B0604020202020204" pitchFamily="34" charset="0"/>
         <a:buChar char="•"/>
-        <a:defRPr sz="1329" kern="1200">
+        <a:defRPr sz="756" kern="1200">
           <a:solidFill>
             <a:schemeClr val="tx1"/>
           </a:solidFill>
@@ -2806,16 +2806,16 @@
           <a:cs typeface="+mn-cs"/>
         </a:defRPr>
       </a:lvl6pPr>
-      <a:lvl7pPr marL="2194080" indent="-168775" algn="l" defTabSz="675102" rtl="0" eaLnBrk="1" latinLnBrk="0" hangingPunct="1">
+      <a:lvl7pPr marL="1247859" indent="-95989" algn="l" defTabSz="383957" rtl="0" eaLnBrk="1" latinLnBrk="0" hangingPunct="1">
         <a:lnSpc>
           <a:spcPct val="90000"/>
         </a:lnSpc>
         <a:spcBef>
-          <a:spcPts val="369"/>
+          <a:spcPts val="210"/>
         </a:spcBef>
         <a:buFont typeface="Arial" panose="020B0604020202020204" pitchFamily="34" charset="0"/>
         <a:buChar char="•"/>
-        <a:defRPr sz="1329" kern="1200">
+        <a:defRPr sz="756" kern="1200">
           <a:solidFill>
             <a:schemeClr val="tx1"/>
           </a:solidFill>
@@ -2824,16 +2824,16 @@
           <a:cs typeface="+mn-cs"/>
         </a:defRPr>
       </a:lvl7pPr>
-      <a:lvl8pPr marL="2531631" indent="-168775" algn="l" defTabSz="675102" rtl="0" eaLnBrk="1" latinLnBrk="0" hangingPunct="1">
+      <a:lvl8pPr marL="1439837" indent="-95989" algn="l" defTabSz="383957" rtl="0" eaLnBrk="1" latinLnBrk="0" hangingPunct="1">
         <a:lnSpc>
           <a:spcPct val="90000"/>
         </a:lnSpc>
         <a:spcBef>
-          <a:spcPts val="369"/>
+          <a:spcPts val="210"/>
         </a:spcBef>
         <a:buFont typeface="Arial" panose="020B0604020202020204" pitchFamily="34" charset="0"/>
         <a:buChar char="•"/>
-        <a:defRPr sz="1329" kern="1200">
+        <a:defRPr sz="756" kern="1200">
           <a:solidFill>
             <a:schemeClr val="tx1"/>
           </a:solidFill>
@@ -2842,16 +2842,16 @@
           <a:cs typeface="+mn-cs"/>
         </a:defRPr>
       </a:lvl8pPr>
-      <a:lvl9pPr marL="2869181" indent="-168775" algn="l" defTabSz="675102" rtl="0" eaLnBrk="1" latinLnBrk="0" hangingPunct="1">
+      <a:lvl9pPr marL="1631815" indent="-95989" algn="l" defTabSz="383957" rtl="0" eaLnBrk="1" latinLnBrk="0" hangingPunct="1">
         <a:lnSpc>
           <a:spcPct val="90000"/>
         </a:lnSpc>
         <a:spcBef>
-          <a:spcPts val="369"/>
+          <a:spcPts val="210"/>
         </a:spcBef>
         <a:buFont typeface="Arial" panose="020B0604020202020204" pitchFamily="34" charset="0"/>
         <a:buChar char="•"/>
-        <a:defRPr sz="1329" kern="1200">
+        <a:defRPr sz="756" kern="1200">
           <a:solidFill>
             <a:schemeClr val="tx1"/>
           </a:solidFill>
@@ -2865,8 +2865,8 @@
       <a:defPPr>
         <a:defRPr lang="en-US"/>
       </a:defPPr>
-      <a:lvl1pPr marL="0" algn="l" defTabSz="675102" rtl="0" eaLnBrk="1" latinLnBrk="0" hangingPunct="1">
-        <a:defRPr sz="1329" kern="1200">
+      <a:lvl1pPr marL="0" algn="l" defTabSz="383957" rtl="0" eaLnBrk="1" latinLnBrk="0" hangingPunct="1">
+        <a:defRPr sz="756" kern="1200">
           <a:solidFill>
             <a:schemeClr val="tx1"/>
           </a:solidFill>
@@ -2875,8 +2875,8 @@
           <a:cs typeface="+mn-cs"/>
         </a:defRPr>
       </a:lvl1pPr>
-      <a:lvl2pPr marL="337551" algn="l" defTabSz="675102" rtl="0" eaLnBrk="1" latinLnBrk="0" hangingPunct="1">
-        <a:defRPr sz="1329" kern="1200">
+      <a:lvl2pPr marL="191978" algn="l" defTabSz="383957" rtl="0" eaLnBrk="1" latinLnBrk="0" hangingPunct="1">
+        <a:defRPr sz="756" kern="1200">
           <a:solidFill>
             <a:schemeClr val="tx1"/>
           </a:solidFill>
@@ -2885,8 +2885,8 @@
           <a:cs typeface="+mn-cs"/>
         </a:defRPr>
       </a:lvl2pPr>
-      <a:lvl3pPr marL="675102" algn="l" defTabSz="675102" rtl="0" eaLnBrk="1" latinLnBrk="0" hangingPunct="1">
-        <a:defRPr sz="1329" kern="1200">
+      <a:lvl3pPr marL="383957" algn="l" defTabSz="383957" rtl="0" eaLnBrk="1" latinLnBrk="0" hangingPunct="1">
+        <a:defRPr sz="756" kern="1200">
           <a:solidFill>
             <a:schemeClr val="tx1"/>
           </a:solidFill>
@@ -2895,8 +2895,8 @@
           <a:cs typeface="+mn-cs"/>
         </a:defRPr>
       </a:lvl3pPr>
-      <a:lvl4pPr marL="1012652" algn="l" defTabSz="675102" rtl="0" eaLnBrk="1" latinLnBrk="0" hangingPunct="1">
-        <a:defRPr sz="1329" kern="1200">
+      <a:lvl4pPr marL="575935" algn="l" defTabSz="383957" rtl="0" eaLnBrk="1" latinLnBrk="0" hangingPunct="1">
+        <a:defRPr sz="756" kern="1200">
           <a:solidFill>
             <a:schemeClr val="tx1"/>
           </a:solidFill>
@@ -2905,8 +2905,8 @@
           <a:cs typeface="+mn-cs"/>
         </a:defRPr>
       </a:lvl4pPr>
-      <a:lvl5pPr marL="1350203" algn="l" defTabSz="675102" rtl="0" eaLnBrk="1" latinLnBrk="0" hangingPunct="1">
-        <a:defRPr sz="1329" kern="1200">
+      <a:lvl5pPr marL="767913" algn="l" defTabSz="383957" rtl="0" eaLnBrk="1" latinLnBrk="0" hangingPunct="1">
+        <a:defRPr sz="756" kern="1200">
           <a:solidFill>
             <a:schemeClr val="tx1"/>
           </a:solidFill>
@@ -2915,8 +2915,8 @@
           <a:cs typeface="+mn-cs"/>
         </a:defRPr>
       </a:lvl5pPr>
-      <a:lvl6pPr marL="1687754" algn="l" defTabSz="675102" rtl="0" eaLnBrk="1" latinLnBrk="0" hangingPunct="1">
-        <a:defRPr sz="1329" kern="1200">
+      <a:lvl6pPr marL="959891" algn="l" defTabSz="383957" rtl="0" eaLnBrk="1" latinLnBrk="0" hangingPunct="1">
+        <a:defRPr sz="756" kern="1200">
           <a:solidFill>
             <a:schemeClr val="tx1"/>
           </a:solidFill>
@@ -2925,8 +2925,8 @@
           <a:cs typeface="+mn-cs"/>
         </a:defRPr>
       </a:lvl6pPr>
-      <a:lvl7pPr marL="2025305" algn="l" defTabSz="675102" rtl="0" eaLnBrk="1" latinLnBrk="0" hangingPunct="1">
-        <a:defRPr sz="1329" kern="1200">
+      <a:lvl7pPr marL="1151870" algn="l" defTabSz="383957" rtl="0" eaLnBrk="1" latinLnBrk="0" hangingPunct="1">
+        <a:defRPr sz="756" kern="1200">
           <a:solidFill>
             <a:schemeClr val="tx1"/>
           </a:solidFill>
@@ -2935,8 +2935,8 @@
           <a:cs typeface="+mn-cs"/>
         </a:defRPr>
       </a:lvl7pPr>
-      <a:lvl8pPr marL="2362855" algn="l" defTabSz="675102" rtl="0" eaLnBrk="1" latinLnBrk="0" hangingPunct="1">
-        <a:defRPr sz="1329" kern="1200">
+      <a:lvl8pPr marL="1343848" algn="l" defTabSz="383957" rtl="0" eaLnBrk="1" latinLnBrk="0" hangingPunct="1">
+        <a:defRPr sz="756" kern="1200">
           <a:solidFill>
             <a:schemeClr val="tx1"/>
           </a:solidFill>
@@ -2945,8 +2945,8 @@
           <a:cs typeface="+mn-cs"/>
         </a:defRPr>
       </a:lvl8pPr>
-      <a:lvl9pPr marL="2700406" algn="l" defTabSz="675102" rtl="0" eaLnBrk="1" latinLnBrk="0" hangingPunct="1">
-        <a:defRPr sz="1329" kern="1200">
+      <a:lvl9pPr marL="1535826" algn="l" defTabSz="383957" rtl="0" eaLnBrk="1" latinLnBrk="0" hangingPunct="1">
+        <a:defRPr sz="756" kern="1200">
           <a:solidFill>
             <a:schemeClr val="tx1"/>
           </a:solidFill>
@@ -2991,7 +2991,7 @@
         </p:nvSpPr>
         <p:spPr>
           <a:xfrm>
-            <a:off x="5221223" y="2895598"/>
+            <a:off x="4326671" y="2037961"/>
             <a:ext cx="708133" cy="707698"/>
           </a:xfrm>
           <a:prstGeom prst="roundRect">
@@ -3055,7 +3055,7 @@
         </p:nvSpPr>
         <p:spPr>
           <a:xfrm>
-            <a:off x="3104840" y="2895598"/>
+            <a:off x="2210288" y="2037961"/>
             <a:ext cx="708133" cy="707698"/>
           </a:xfrm>
           <a:prstGeom prst="roundRect">
@@ -3119,7 +3119,7 @@
         </p:nvSpPr>
         <p:spPr>
           <a:xfrm>
-            <a:off x="6638497" y="1962805"/>
+            <a:off x="5743945" y="1105168"/>
             <a:ext cx="708133" cy="707698"/>
           </a:xfrm>
           <a:prstGeom prst="roundRect">
@@ -3183,7 +3183,7 @@
         </p:nvSpPr>
         <p:spPr>
           <a:xfrm>
-            <a:off x="5230246" y="1030012"/>
+            <a:off x="4335694" y="172375"/>
             <a:ext cx="708133" cy="707698"/>
           </a:xfrm>
           <a:prstGeom prst="roundRect">
@@ -3247,7 +3247,7 @@
         </p:nvSpPr>
         <p:spPr>
           <a:xfrm>
-            <a:off x="3104840" y="1030012"/>
+            <a:off x="2210288" y="172375"/>
             <a:ext cx="708133" cy="707698"/>
           </a:xfrm>
           <a:prstGeom prst="roundRect">
@@ -3311,7 +3311,7 @@
         </p:nvSpPr>
         <p:spPr>
           <a:xfrm>
-            <a:off x="1638647" y="1962805"/>
+            <a:off x="744095" y="1105168"/>
             <a:ext cx="708133" cy="707698"/>
           </a:xfrm>
           <a:prstGeom prst="roundRect">
@@ -3378,7 +3378,7 @@
         </p:nvCxnSpPr>
         <p:spPr>
           <a:xfrm flipH="1">
-            <a:off x="1992714" y="1383861"/>
+            <a:off x="1098159" y="526224"/>
             <a:ext cx="1112126" cy="578944"/>
           </a:xfrm>
           <a:prstGeom prst="straightConnector1">
@@ -3421,7 +3421,7 @@
         </p:nvCxnSpPr>
         <p:spPr>
           <a:xfrm>
-            <a:off x="3812973" y="1383861"/>
+            <a:off x="2918421" y="526224"/>
             <a:ext cx="1417273" cy="0"/>
           </a:xfrm>
           <a:prstGeom prst="straightConnector1">
@@ -3464,7 +3464,7 @@
         </p:nvCxnSpPr>
         <p:spPr>
           <a:xfrm>
-            <a:off x="5938379" y="1383861"/>
+            <a:off x="5043827" y="526224"/>
             <a:ext cx="1054185" cy="578944"/>
           </a:xfrm>
           <a:prstGeom prst="straightConnector1">
@@ -3507,7 +3507,7 @@
         </p:nvCxnSpPr>
         <p:spPr>
           <a:xfrm flipH="1">
-            <a:off x="5929356" y="2670503"/>
+            <a:off x="5034801" y="1812866"/>
             <a:ext cx="1063208" cy="578944"/>
           </a:xfrm>
           <a:prstGeom prst="straightConnector1">
@@ -3550,7 +3550,7 @@
         </p:nvCxnSpPr>
         <p:spPr>
           <a:xfrm flipH="1">
-            <a:off x="3812973" y="3249447"/>
+            <a:off x="2918418" y="2391810"/>
             <a:ext cx="1408250" cy="0"/>
           </a:xfrm>
           <a:prstGeom prst="straightConnector1">
@@ -3593,7 +3593,7 @@
         </p:nvCxnSpPr>
         <p:spPr>
           <a:xfrm flipV="1">
-            <a:off x="3458907" y="1737710"/>
+            <a:off x="2564352" y="880073"/>
             <a:ext cx="0" cy="1157888"/>
           </a:xfrm>
           <a:prstGeom prst="straightConnector1">
@@ -3636,7 +3636,7 @@
         </p:nvCxnSpPr>
         <p:spPr>
           <a:xfrm flipH="1" flipV="1">
-            <a:off x="1992714" y="2670503"/>
+            <a:off x="1098159" y="1812866"/>
             <a:ext cx="1112126" cy="578944"/>
           </a:xfrm>
           <a:prstGeom prst="straightConnector1">
@@ -3676,7 +3676,7 @@
         </p:nvCxnSpPr>
         <p:spPr>
           <a:xfrm>
-            <a:off x="3803950" y="1383861"/>
+            <a:off x="2909398" y="526224"/>
             <a:ext cx="1417273" cy="0"/>
           </a:xfrm>
           <a:prstGeom prst="straightConnector1">
@@ -3719,7 +3719,7 @@
         </p:nvCxnSpPr>
         <p:spPr>
           <a:xfrm flipH="1">
-            <a:off x="5575290" y="1737710"/>
+            <a:off x="4680738" y="880073"/>
             <a:ext cx="9023" cy="1157888"/>
           </a:xfrm>
           <a:prstGeom prst="straightConnector1">
